--- a/UK Covid Figures.pptx
+++ b/UK Covid Figures.pptx
@@ -106,6 +106,11 @@
       </a:defRPr>
     </a:lvl9pPr>
   </p:defaultTextStyle>
+  <p:extLst>
+    <p:ext uri="{EFAFB233-063F-42B5-8137-9DF3F51BA10A}">
+      <p15:sldGuideLst xmlns:p15="http://schemas.microsoft.com/office/powerpoint/2012/main"/>
+    </p:ext>
+  </p:extLst>
 </p:presentation>
 </file>
 
@@ -3738,25 +3743,57 @@
           <a:p>
             <a:r>
               <a:rPr lang="en-GB" dirty="0"/>
-              <a:t>Tests Today:</a:t>
-            </a:r>
-          </a:p>
-          <a:p>
+              <a:t>Tests Today: {{ </a:t>
+            </a:r>
+            <a:r>
+              <a:rPr lang="en-GB" dirty="0" err="1"/>
+              <a:t>newVirusTests</a:t>
+            </a:r>
             <a:r>
               <a:rPr lang="en-GB" dirty="0"/>
-              <a:t>Positive Tests Today:</a:t>
+              <a:t> }}</a:t>
             </a:r>
           </a:p>
           <a:p>
             <a:r>
               <a:rPr lang="en-GB" dirty="0"/>
-              <a:t>Admissions Today</a:t>
-            </a:r>
-          </a:p>
-          <a:p>
+              <a:t>Positive Tests Today: {{ </a:t>
+            </a:r>
+            <a:r>
+              <a:rPr lang="en-GB" dirty="0" err="1"/>
+              <a:t>newCasesByPublishDate</a:t>
+            </a:r>
             <a:r>
               <a:rPr lang="en-GB" dirty="0"/>
-              <a:t>Deaths Today</a:t>
+              <a:t> }}</a:t>
+            </a:r>
+          </a:p>
+          <a:p>
+            <a:r>
+              <a:rPr lang="en-GB" dirty="0"/>
+              <a:t>Admissions Today {{ </a:t>
+            </a:r>
+            <a:r>
+              <a:rPr lang="en-GB" dirty="0" err="1"/>
+              <a:t>newAdmissions</a:t>
+            </a:r>
+            <a:r>
+              <a:rPr lang="en-GB" dirty="0"/>
+              <a:t> }}</a:t>
+            </a:r>
+          </a:p>
+          <a:p>
+            <a:r>
+              <a:rPr lang="en-GB" dirty="0"/>
+              <a:t>Deaths Today {{ </a:t>
+            </a:r>
+            <a:r>
+              <a:rPr lang="en-GB" dirty="0" err="1"/>
+              <a:t>newDeathsByPublishDate</a:t>
+            </a:r>
+            <a:r>
+              <a:rPr lang="en-GB" dirty="0"/>
+              <a:t> }}</a:t>
             </a:r>
           </a:p>
           <a:p>
